--- a/TCC - Monografia/Documentos/AbrasilExpress - 26 03 14.pptx
+++ b/TCC - Monografia/Documentos/AbrasilExpress - 26 03 14.pptx
@@ -321,7 +321,7 @@
           <a:p>
             <a:fld id="{735BF34F-860C-439E-9360-B06A721D6D3D}" type="datetimeFigureOut">
               <a:rPr lang="pt-BR" smtClean="0"/>
-              <a:t>26/03/2014</a:t>
+              <a:t>01/06/2014</a:t>
             </a:fld>
             <a:endParaRPr lang="pt-BR"/>
           </a:p>
@@ -486,7 +486,7 @@
           <a:p>
             <a:fld id="{735BF34F-860C-439E-9360-B06A721D6D3D}" type="datetimeFigureOut">
               <a:rPr lang="pt-BR" smtClean="0"/>
-              <a:t>26/03/2014</a:t>
+              <a:t>01/06/2014</a:t>
             </a:fld>
             <a:endParaRPr lang="pt-BR"/>
           </a:p>
@@ -661,7 +661,7 @@
           <a:p>
             <a:fld id="{735BF34F-860C-439E-9360-B06A721D6D3D}" type="datetimeFigureOut">
               <a:rPr lang="pt-BR" smtClean="0"/>
-              <a:t>26/03/2014</a:t>
+              <a:t>01/06/2014</a:t>
             </a:fld>
             <a:endParaRPr lang="pt-BR"/>
           </a:p>
@@ -826,7 +826,7 @@
           <a:p>
             <a:fld id="{735BF34F-860C-439E-9360-B06A721D6D3D}" type="datetimeFigureOut">
               <a:rPr lang="pt-BR" smtClean="0"/>
-              <a:t>26/03/2014</a:t>
+              <a:t>01/06/2014</a:t>
             </a:fld>
             <a:endParaRPr lang="pt-BR"/>
           </a:p>
@@ -1067,7 +1067,7 @@
           <a:p>
             <a:fld id="{735BF34F-860C-439E-9360-B06A721D6D3D}" type="datetimeFigureOut">
               <a:rPr lang="pt-BR" smtClean="0"/>
-              <a:t>26/03/2014</a:t>
+              <a:t>01/06/2014</a:t>
             </a:fld>
             <a:endParaRPr lang="pt-BR"/>
           </a:p>
@@ -1350,7 +1350,7 @@
           <a:p>
             <a:fld id="{735BF34F-860C-439E-9360-B06A721D6D3D}" type="datetimeFigureOut">
               <a:rPr lang="pt-BR" smtClean="0"/>
-              <a:t>26/03/2014</a:t>
+              <a:t>01/06/2014</a:t>
             </a:fld>
             <a:endParaRPr lang="pt-BR"/>
           </a:p>
@@ -1779,7 +1779,7 @@
           <a:p>
             <a:fld id="{735BF34F-860C-439E-9360-B06A721D6D3D}" type="datetimeFigureOut">
               <a:rPr lang="pt-BR" smtClean="0"/>
-              <a:t>26/03/2014</a:t>
+              <a:t>01/06/2014</a:t>
             </a:fld>
             <a:endParaRPr lang="pt-BR"/>
           </a:p>
@@ -1892,7 +1892,7 @@
           <a:p>
             <a:fld id="{735BF34F-860C-439E-9360-B06A721D6D3D}" type="datetimeFigureOut">
               <a:rPr lang="pt-BR" smtClean="0"/>
-              <a:t>26/03/2014</a:t>
+              <a:t>01/06/2014</a:t>
             </a:fld>
             <a:endParaRPr lang="pt-BR"/>
           </a:p>
@@ -1982,7 +1982,7 @@
           <a:p>
             <a:fld id="{735BF34F-860C-439E-9360-B06A721D6D3D}" type="datetimeFigureOut">
               <a:rPr lang="pt-BR" smtClean="0"/>
-              <a:t>26/03/2014</a:t>
+              <a:t>01/06/2014</a:t>
             </a:fld>
             <a:endParaRPr lang="pt-BR"/>
           </a:p>
@@ -2171,7 +2171,7 @@
           <a:p>
             <a:fld id="{735BF34F-860C-439E-9360-B06A721D6D3D}" type="datetimeFigureOut">
               <a:rPr lang="pt-BR" smtClean="0"/>
-              <a:t>26/03/2014</a:t>
+              <a:t>01/06/2014</a:t>
             </a:fld>
             <a:endParaRPr lang="pt-BR"/>
           </a:p>
@@ -2489,7 +2489,7 @@
           <a:p>
             <a:fld id="{735BF34F-860C-439E-9360-B06A721D6D3D}" type="datetimeFigureOut">
               <a:rPr lang="pt-BR" smtClean="0"/>
-              <a:t>26/03/2014</a:t>
+              <a:t>01/06/2014</a:t>
             </a:fld>
             <a:endParaRPr lang="pt-BR"/>
           </a:p>
@@ -2868,7 +2868,7 @@
           <a:p>
             <a:fld id="{735BF34F-860C-439E-9360-B06A721D6D3D}" type="datetimeFigureOut">
               <a:rPr lang="pt-BR" smtClean="0"/>
-              <a:t>26/03/2014</a:t>
+              <a:t>01/06/2014</a:t>
             </a:fld>
             <a:endParaRPr lang="pt-BR"/>
           </a:p>
@@ -6363,14 +6363,14 @@
             <p:ph idx="1"/>
             <p:extLst>
               <p:ext uri="{D42A27DB-BD31-4B8C-83A1-F6EECF244321}">
-                <p14:modId xmlns:p14="http://schemas.microsoft.com/office/powerpoint/2010/main" val="1972861438"/>
+                <p14:modId xmlns:p14="http://schemas.microsoft.com/office/powerpoint/2010/main" val="3976917909"/>
               </p:ext>
             </p:extLst>
           </p:nvPr>
         </p:nvGraphicFramePr>
         <p:xfrm>
-          <a:off x="457200" y="1600200"/>
-          <a:ext cx="7620000" cy="3337560"/>
+          <a:off x="179512" y="1412776"/>
+          <a:ext cx="8403178" cy="5222240"/>
         </p:xfrm>
         <a:graphic>
           <a:graphicData uri="http://schemas.openxmlformats.org/drawingml/2006/table">
@@ -6379,8 +6379,10 @@
                 <a:tableStyleId>{5C22544A-7EE6-4342-B048-85BDC9FD1C3A}</a:tableStyleId>
               </a:tblPr>
               <a:tblGrid>
-                <a:gridCol w="3810000"/>
-                <a:gridCol w="3810000"/>
+                <a:gridCol w="2160240"/>
+                <a:gridCol w="1872208"/>
+                <a:gridCol w="1296144"/>
+                <a:gridCol w="3074586"/>
               </a:tblGrid>
               <a:tr h="370840">
                 <a:tc>
@@ -6405,6 +6407,33 @@
                       <a:r>
                         <a:rPr lang="pt-BR" dirty="0" smtClean="0"/>
                         <a:t>Atividade</a:t>
+                      </a:r>
+                      <a:endParaRPr lang="pt-BR" dirty="0"/>
+                    </a:p>
+                  </a:txBody>
+                  <a:tcPr/>
+                </a:tc>
+                <a:tc>
+                  <a:txBody>
+                    <a:bodyPr/>
+                    <a:lstStyle/>
+                    <a:p>
+                      <a:r>
+                        <a:rPr lang="pt-BR" dirty="0" smtClean="0"/>
+                        <a:t>Telefone</a:t>
+                      </a:r>
+                    </a:p>
+                  </a:txBody>
+                  <a:tcPr/>
+                </a:tc>
+                <a:tc>
+                  <a:txBody>
+                    <a:bodyPr/>
+                    <a:lstStyle/>
+                    <a:p>
+                      <a:r>
+                        <a:rPr lang="pt-BR" dirty="0" smtClean="0"/>
+                        <a:t>E-mail</a:t>
                       </a:r>
                       <a:endParaRPr lang="pt-BR" dirty="0"/>
                     </a:p>
@@ -6445,6 +6474,26 @@
                   </a:txBody>
                   <a:tcPr/>
                 </a:tc>
+                <a:tc>
+                  <a:txBody>
+                    <a:bodyPr/>
+                    <a:lstStyle/>
+                    <a:p>
+                      <a:endParaRPr lang="pt-BR" dirty="0"/>
+                    </a:p>
+                  </a:txBody>
+                  <a:tcPr/>
+                </a:tc>
+                <a:tc>
+                  <a:txBody>
+                    <a:bodyPr/>
+                    <a:lstStyle/>
+                    <a:p>
+                      <a:endParaRPr lang="pt-BR" dirty="0"/>
+                    </a:p>
+                  </a:txBody>
+                  <a:tcPr/>
+                </a:tc>
               </a:tr>
               <a:tr h="370840">
                 <a:tc>
@@ -6474,6 +6523,26 @@
                         <a:rPr lang="pt-BR" dirty="0" smtClean="0"/>
                         <a:t>Proprietário</a:t>
                       </a:r>
+                      <a:endParaRPr lang="pt-BR" dirty="0"/>
+                    </a:p>
+                  </a:txBody>
+                  <a:tcPr/>
+                </a:tc>
+                <a:tc>
+                  <a:txBody>
+                    <a:bodyPr/>
+                    <a:lstStyle/>
+                    <a:p>
+                      <a:endParaRPr lang="pt-BR" dirty="0"/>
+                    </a:p>
+                  </a:txBody>
+                  <a:tcPr/>
+                </a:tc>
+                <a:tc>
+                  <a:txBody>
+                    <a:bodyPr/>
+                    <a:lstStyle/>
+                    <a:p>
                       <a:endParaRPr lang="pt-BR" dirty="0"/>
                     </a:p>
                   </a:txBody>
@@ -6513,101 +6582,17 @@
                   </a:txBody>
                   <a:tcPr/>
                 </a:tc>
-              </a:tr>
-              <a:tr h="370840">
                 <a:tc>
                   <a:txBody>
                     <a:bodyPr/>
                     <a:lstStyle/>
                     <a:p>
-                      <a:pPr marL="0" marR="0" lvl="0" indent="0" algn="l" defTabSz="914400" rtl="0" eaLnBrk="1" fontAlgn="auto" latinLnBrk="0" hangingPunct="1">
-                        <a:lnSpc>
-                          <a:spcPct val="100000"/>
-                        </a:lnSpc>
-                        <a:spcBef>
-                          <a:spcPts val="0"/>
-                        </a:spcBef>
-                        <a:spcAft>
-                          <a:spcPts val="0"/>
-                        </a:spcAft>
-                        <a:buClrTx/>
-                        <a:buSzTx/>
-                        <a:buFontTx/>
-                        <a:buNone/>
-                        <a:tabLst/>
-                        <a:defRPr/>
-                      </a:pPr>
-                      <a:r>
-                        <a:rPr lang="pt-BR" sz="1800" kern="1200" dirty="0" smtClean="0">
-                          <a:solidFill>
-                            <a:schemeClr val="dk1"/>
-                          </a:solidFill>
-                          <a:effectLst/>
-                          <a:latin typeface="+mn-lt"/>
-                          <a:ea typeface="+mn-ea"/>
-                          <a:cs typeface="+mn-cs"/>
-                        </a:rPr>
-                        <a:t>Emerson Da Silva Cardozo</a:t>
-                      </a:r>
+                      <a:endParaRPr lang="pt-BR" dirty="0"/>
                     </a:p>
                   </a:txBody>
                   <a:tcPr/>
                 </a:tc>
-                <a:tc rowSpan="5">
-                  <a:txBody>
-                    <a:bodyPr/>
-                    <a:lstStyle/>
-                    <a:p>
-                      <a:r>
-                        <a:rPr lang="pt-BR" dirty="0" smtClean="0"/>
-                        <a:t>Equipe de Desenvolvimento</a:t>
-                      </a:r>
-                      <a:endParaRPr lang="pt-BR" dirty="0"/>
-                    </a:p>
-                  </a:txBody>
-                  <a:tcPr anchor="ctr"/>
-                </a:tc>
-              </a:tr>
-              <a:tr h="370840">
                 <a:tc>
-                  <a:txBody>
-                    <a:bodyPr/>
-                    <a:lstStyle/>
-                    <a:p>
-                      <a:pPr marL="0" marR="0" lvl="0" indent="0" algn="l" defTabSz="914400" rtl="0" eaLnBrk="1" fontAlgn="auto" latinLnBrk="0" hangingPunct="1">
-                        <a:lnSpc>
-                          <a:spcPct val="100000"/>
-                        </a:lnSpc>
-                        <a:spcBef>
-                          <a:spcPts val="0"/>
-                        </a:spcBef>
-                        <a:spcAft>
-                          <a:spcPts val="0"/>
-                        </a:spcAft>
-                        <a:buClrTx/>
-                        <a:buSzTx/>
-                        <a:buFontTx/>
-                        <a:buNone/>
-                        <a:tabLst/>
-                        <a:defRPr/>
-                      </a:pPr>
-                      <a:r>
-                        <a:rPr lang="pt-BR" sz="1800" kern="1200" dirty="0" smtClean="0">
-                          <a:solidFill>
-                            <a:schemeClr val="dk1"/>
-                          </a:solidFill>
-                          <a:effectLst/>
-                          <a:latin typeface="+mn-lt"/>
-                          <a:ea typeface="+mn-ea"/>
-                          <a:cs typeface="+mn-cs"/>
-                        </a:rPr>
-                        <a:t>Guilherme Santos Da Silva</a:t>
-                      </a:r>
-                    </a:p>
-                  </a:txBody>
-                  <a:tcPr/>
-                </a:tc>
-                <a:tc vMerge="1">
                   <a:txBody>
                     <a:bodyPr/>
                     <a:lstStyle/>
@@ -6643,32 +6628,23 @@
                       </a:pPr>
                       <a:r>
                         <a:rPr lang="pt-BR" sz="1800" kern="1200" dirty="0" smtClean="0">
-                          <a:solidFill>
-                            <a:schemeClr val="dk1"/>
-                          </a:solidFill>
                           <a:effectLst/>
-                          <a:latin typeface="+mn-lt"/>
-                          <a:ea typeface="+mn-ea"/>
-                          <a:cs typeface="+mn-cs"/>
                         </a:rPr>
-                        <a:t>João Evaristo Furtado </a:t>
+                        <a:t>Emerson Da Silva Cardozo</a:t>
                       </a:r>
+                      <a:endParaRPr lang="pt-BR" sz="1800" kern="1200" dirty="0" smtClean="0">
+                        <a:solidFill>
+                          <a:schemeClr val="dk1"/>
+                        </a:solidFill>
+                        <a:effectLst/>
+                        <a:latin typeface="+mn-lt"/>
+                        <a:ea typeface="+mn-ea"/>
+                        <a:cs typeface="+mn-cs"/>
+                      </a:endParaRPr>
                     </a:p>
                   </a:txBody>
                   <a:tcPr/>
                 </a:tc>
-                <a:tc vMerge="1">
-                  <a:txBody>
-                    <a:bodyPr/>
-                    <a:lstStyle/>
-                    <a:p>
-                      <a:endParaRPr lang="pt-BR" dirty="0"/>
-                    </a:p>
-                  </a:txBody>
-                  <a:tcPr/>
-                </a:tc>
-              </a:tr>
-              <a:tr h="370840">
                 <a:tc>
                   <a:txBody>
                     <a:bodyPr/>
@@ -6701,48 +6677,21 @@
                           <a:ea typeface="+mn-ea"/>
                           <a:cs typeface="+mn-cs"/>
                         </a:rPr>
-                        <a:t>Romulo De </a:t>
+                        <a:t>Desenvolvimento</a:t>
                       </a:r>
-                      <a:r>
-                        <a:rPr lang="pt-BR" sz="1800" kern="1200" dirty="0" err="1" smtClean="0">
-                          <a:solidFill>
-                            <a:schemeClr val="dk1"/>
-                          </a:solidFill>
-                          <a:effectLst/>
-                          <a:latin typeface="+mn-lt"/>
-                          <a:ea typeface="+mn-ea"/>
-                          <a:cs typeface="+mn-cs"/>
-                        </a:rPr>
-                        <a:t>Araujo</a:t>
-                      </a:r>
-                      <a:r>
-                        <a:rPr lang="pt-BR" sz="1800" kern="1200" dirty="0" smtClean="0">
-                          <a:solidFill>
-                            <a:schemeClr val="dk1"/>
-                          </a:solidFill>
-                          <a:effectLst/>
-                          <a:latin typeface="+mn-lt"/>
-                          <a:ea typeface="+mn-ea"/>
-                          <a:cs typeface="+mn-cs"/>
-                        </a:rPr>
-                        <a:t> Magalhães </a:t>
-                      </a:r>
+                      <a:endParaRPr lang="pt-BR" sz="1800" kern="1200" dirty="0" smtClean="0">
+                        <a:solidFill>
+                          <a:schemeClr val="dk1"/>
+                        </a:solidFill>
+                        <a:effectLst/>
+                        <a:latin typeface="+mn-lt"/>
+                        <a:ea typeface="+mn-ea"/>
+                        <a:cs typeface="+mn-cs"/>
+                      </a:endParaRPr>
                     </a:p>
                   </a:txBody>
                   <a:tcPr/>
                 </a:tc>
-                <a:tc vMerge="1">
-                  <a:txBody>
-                    <a:bodyPr/>
-                    <a:lstStyle/>
-                    <a:p>
-                      <a:endParaRPr lang="pt-BR" dirty="0"/>
-                    </a:p>
-                  </a:txBody>
-                  <a:tcPr/>
-                </a:tc>
-              </a:tr>
-              <a:tr h="370840">
                 <a:tc>
                   <a:txBody>
                     <a:bodyPr/>
@@ -6775,18 +6724,943 @@
                           <a:ea typeface="+mn-ea"/>
                           <a:cs typeface="+mn-cs"/>
                         </a:rPr>
-                        <a:t>Samuel De Matos Rezende</a:t>
+                        <a:t>(11) 987120350</a:t>
+                      </a:r>
+                      <a:endParaRPr lang="pt-BR" sz="1800" kern="1200" dirty="0" smtClean="0">
+                        <a:solidFill>
+                          <a:schemeClr val="dk1"/>
+                        </a:solidFill>
+                        <a:effectLst/>
+                        <a:latin typeface="+mn-lt"/>
+                        <a:ea typeface="+mn-ea"/>
+                        <a:cs typeface="+mn-cs"/>
+                      </a:endParaRPr>
+                    </a:p>
+                  </a:txBody>
+                  <a:tcPr/>
+                </a:tc>
+                <a:tc>
+                  <a:txBody>
+                    <a:bodyPr/>
+                    <a:lstStyle/>
+                    <a:p>
+                      <a:pPr marL="0" marR="0" lvl="0" indent="0" algn="l" defTabSz="914400" rtl="0" eaLnBrk="1" fontAlgn="auto" latinLnBrk="0" hangingPunct="1">
+                        <a:lnSpc>
+                          <a:spcPct val="100000"/>
+                        </a:lnSpc>
+                        <a:spcBef>
+                          <a:spcPts val="0"/>
+                        </a:spcBef>
+                        <a:spcAft>
+                          <a:spcPts val="0"/>
+                        </a:spcAft>
+                        <a:buClrTx/>
+                        <a:buSzTx/>
+                        <a:buFontTx/>
+                        <a:buNone/>
+                        <a:tabLst/>
+                        <a:defRPr/>
+                      </a:pPr>
+                      <a:endParaRPr lang="pt-BR" sz="1800" kern="1200" dirty="0" smtClean="0">
+                        <a:solidFill>
+                          <a:schemeClr val="dk1"/>
+                        </a:solidFill>
+                        <a:effectLst/>
+                        <a:latin typeface="+mn-lt"/>
+                        <a:ea typeface="+mn-ea"/>
+                        <a:cs typeface="+mn-cs"/>
+                      </a:endParaRPr>
+                    </a:p>
+                  </a:txBody>
+                  <a:tcPr/>
+                </a:tc>
+              </a:tr>
+              <a:tr h="370840">
+                <a:tc>
+                  <a:txBody>
+                    <a:bodyPr/>
+                    <a:lstStyle/>
+                    <a:p>
+                      <a:pPr marL="0" marR="0" lvl="0" indent="0" algn="l" defTabSz="914400" rtl="0" eaLnBrk="1" fontAlgn="auto" latinLnBrk="0" hangingPunct="1">
+                        <a:lnSpc>
+                          <a:spcPct val="100000"/>
+                        </a:lnSpc>
+                        <a:spcBef>
+                          <a:spcPts val="0"/>
+                        </a:spcBef>
+                        <a:spcAft>
+                          <a:spcPts val="0"/>
+                        </a:spcAft>
+                        <a:buClrTx/>
+                        <a:buSzTx/>
+                        <a:buFontTx/>
+                        <a:buNone/>
+                        <a:tabLst/>
+                        <a:defRPr/>
+                      </a:pPr>
+                      <a:r>
+                        <a:rPr lang="pt-BR" sz="1800" kern="1200" dirty="0" smtClean="0">
+                          <a:effectLst/>
+                        </a:rPr>
+                        <a:t>Guilherme Santos Da Silva</a:t>
+                      </a:r>
+                      <a:endParaRPr lang="pt-BR" sz="1800" kern="1200" dirty="0" smtClean="0">
+                        <a:solidFill>
+                          <a:schemeClr val="dk1"/>
+                        </a:solidFill>
+                        <a:effectLst/>
+                        <a:latin typeface="+mn-lt"/>
+                        <a:ea typeface="+mn-ea"/>
+                        <a:cs typeface="+mn-cs"/>
+                      </a:endParaRPr>
+                    </a:p>
+                  </a:txBody>
+                  <a:tcPr/>
+                </a:tc>
+                <a:tc>
+                  <a:txBody>
+                    <a:bodyPr/>
+                    <a:lstStyle/>
+                    <a:p>
+                      <a:pPr marL="0" marR="0" lvl="0" indent="0" algn="l" defTabSz="914400" rtl="0" eaLnBrk="1" fontAlgn="auto" latinLnBrk="0" hangingPunct="1">
+                        <a:lnSpc>
+                          <a:spcPct val="100000"/>
+                        </a:lnSpc>
+                        <a:spcBef>
+                          <a:spcPts val="0"/>
+                        </a:spcBef>
+                        <a:spcAft>
+                          <a:spcPts val="0"/>
+                        </a:spcAft>
+                        <a:buClrTx/>
+                        <a:buSzTx/>
+                        <a:buFontTx/>
+                        <a:buNone/>
+                        <a:tabLst/>
+                        <a:defRPr/>
+                      </a:pPr>
+                      <a:r>
+                        <a:rPr lang="pt-BR" sz="1800" kern="1200" dirty="0" smtClean="0">
+                          <a:solidFill>
+                            <a:schemeClr val="dk1"/>
+                          </a:solidFill>
+                          <a:effectLst/>
+                          <a:latin typeface="+mn-lt"/>
+                          <a:ea typeface="+mn-ea"/>
+                          <a:cs typeface="+mn-cs"/>
+                        </a:rPr>
+                        <a:t>Desenvolvimento</a:t>
+                      </a:r>
+                    </a:p>
+                    <a:p>
+                      <a:pPr marL="0" marR="0" lvl="0" indent="0" algn="l" defTabSz="914400" rtl="0" eaLnBrk="1" fontAlgn="auto" latinLnBrk="0" hangingPunct="1">
+                        <a:lnSpc>
+                          <a:spcPct val="100000"/>
+                        </a:lnSpc>
+                        <a:spcBef>
+                          <a:spcPts val="0"/>
+                        </a:spcBef>
+                        <a:spcAft>
+                          <a:spcPts val="0"/>
+                        </a:spcAft>
+                        <a:buClrTx/>
+                        <a:buSzTx/>
+                        <a:buFontTx/>
+                        <a:buNone/>
+                        <a:tabLst/>
+                        <a:defRPr/>
+                      </a:pPr>
+                      <a:endParaRPr lang="pt-BR" sz="1800" kern="1200" dirty="0" smtClean="0">
+                        <a:solidFill>
+                          <a:schemeClr val="dk1"/>
+                        </a:solidFill>
+                        <a:effectLst/>
+                        <a:latin typeface="+mn-lt"/>
+                        <a:ea typeface="+mn-ea"/>
+                        <a:cs typeface="+mn-cs"/>
+                      </a:endParaRPr>
+                    </a:p>
+                  </a:txBody>
+                  <a:tcPr/>
+                </a:tc>
+                <a:tc>
+                  <a:txBody>
+                    <a:bodyPr/>
+                    <a:lstStyle/>
+                    <a:p>
+                      <a:pPr marL="0" marR="0" lvl="0" indent="0" algn="l" defTabSz="914400" rtl="0" eaLnBrk="1" fontAlgn="auto" latinLnBrk="0" hangingPunct="1">
+                        <a:lnSpc>
+                          <a:spcPct val="100000"/>
+                        </a:lnSpc>
+                        <a:spcBef>
+                          <a:spcPts val="0"/>
+                        </a:spcBef>
+                        <a:spcAft>
+                          <a:spcPts val="0"/>
+                        </a:spcAft>
+                        <a:buClrTx/>
+                        <a:buSzTx/>
+                        <a:buFontTx/>
+                        <a:buNone/>
+                        <a:tabLst/>
+                        <a:defRPr/>
+                      </a:pPr>
+                      <a:r>
+                        <a:rPr lang="pt-BR" sz="1800" kern="1200" dirty="0" smtClean="0">
+                          <a:solidFill>
+                            <a:schemeClr val="dk1"/>
+                          </a:solidFill>
+                          <a:effectLst/>
+                          <a:latin typeface="+mn-lt"/>
+                          <a:ea typeface="+mn-ea"/>
+                          <a:cs typeface="+mn-cs"/>
+                        </a:rPr>
+                        <a:t>(11)</a:t>
+                      </a:r>
+                    </a:p>
+                    <a:p>
+                      <a:pPr marL="0" marR="0" lvl="0" indent="0" algn="l" defTabSz="914400" rtl="0" eaLnBrk="1" fontAlgn="auto" latinLnBrk="0" hangingPunct="1">
+                        <a:lnSpc>
+                          <a:spcPct val="100000"/>
+                        </a:lnSpc>
+                        <a:spcBef>
+                          <a:spcPts val="0"/>
+                        </a:spcBef>
+                        <a:spcAft>
+                          <a:spcPts val="0"/>
+                        </a:spcAft>
+                        <a:buClrTx/>
+                        <a:buSzTx/>
+                        <a:buFontTx/>
+                        <a:buNone/>
+                        <a:tabLst/>
+                        <a:defRPr/>
+                      </a:pPr>
+                      <a:r>
+                        <a:rPr lang="pt-BR" sz="1800" kern="1200" dirty="0" smtClean="0">
+                          <a:solidFill>
+                            <a:schemeClr val="dk1"/>
+                          </a:solidFill>
+                          <a:effectLst/>
+                          <a:latin typeface="+mn-lt"/>
+                          <a:ea typeface="+mn-ea"/>
+                          <a:cs typeface="+mn-cs"/>
+                        </a:rPr>
+                        <a:t>988320787</a:t>
                       </a:r>
                     </a:p>
                   </a:txBody>
                   <a:tcPr/>
                 </a:tc>
-                <a:tc vMerge="1">
+                <a:tc>
                   <a:txBody>
                     <a:bodyPr/>
                     <a:lstStyle/>
                     <a:p>
-                      <a:endParaRPr lang="pt-BR" dirty="0"/>
+                      <a:pPr marL="0" marR="0" lvl="0" indent="0" algn="l" defTabSz="914400" rtl="0" eaLnBrk="1" fontAlgn="auto" latinLnBrk="0" hangingPunct="1">
+                        <a:lnSpc>
+                          <a:spcPct val="100000"/>
+                        </a:lnSpc>
+                        <a:spcBef>
+                          <a:spcPts val="0"/>
+                        </a:spcBef>
+                        <a:spcAft>
+                          <a:spcPts val="0"/>
+                        </a:spcAft>
+                        <a:buClrTx/>
+                        <a:buSzTx/>
+                        <a:buFontTx/>
+                        <a:buNone/>
+                        <a:tabLst/>
+                        <a:defRPr/>
+                      </a:pPr>
+                      <a:endParaRPr lang="pt-BR" sz="1800" kern="1200" dirty="0" smtClean="0">
+                        <a:solidFill>
+                          <a:schemeClr val="dk1"/>
+                        </a:solidFill>
+                        <a:effectLst/>
+                        <a:latin typeface="+mn-lt"/>
+                        <a:ea typeface="+mn-ea"/>
+                        <a:cs typeface="+mn-cs"/>
+                      </a:endParaRPr>
+                    </a:p>
+                  </a:txBody>
+                  <a:tcPr/>
+                </a:tc>
+              </a:tr>
+              <a:tr h="370840">
+                <a:tc>
+                  <a:txBody>
+                    <a:bodyPr/>
+                    <a:lstStyle/>
+                    <a:p>
+                      <a:pPr marL="0" marR="0" lvl="0" indent="0" algn="l" defTabSz="914400" rtl="0" eaLnBrk="1" fontAlgn="auto" latinLnBrk="0" hangingPunct="1">
+                        <a:lnSpc>
+                          <a:spcPct val="100000"/>
+                        </a:lnSpc>
+                        <a:spcBef>
+                          <a:spcPts val="0"/>
+                        </a:spcBef>
+                        <a:spcAft>
+                          <a:spcPts val="0"/>
+                        </a:spcAft>
+                        <a:buClrTx/>
+                        <a:buSzTx/>
+                        <a:buFontTx/>
+                        <a:buNone/>
+                        <a:tabLst/>
+                        <a:defRPr/>
+                      </a:pPr>
+                      <a:r>
+                        <a:rPr lang="pt-BR" sz="1800" kern="1200" dirty="0" smtClean="0">
+                          <a:effectLst/>
+                        </a:rPr>
+                        <a:t>João Evaristo Furtado </a:t>
+                      </a:r>
+                      <a:endParaRPr lang="pt-BR" sz="1800" kern="1200" dirty="0" smtClean="0">
+                        <a:solidFill>
+                          <a:schemeClr val="dk1"/>
+                        </a:solidFill>
+                        <a:effectLst/>
+                        <a:latin typeface="+mn-lt"/>
+                        <a:ea typeface="+mn-ea"/>
+                        <a:cs typeface="+mn-cs"/>
+                      </a:endParaRPr>
+                    </a:p>
+                  </a:txBody>
+                  <a:tcPr/>
+                </a:tc>
+                <a:tc>
+                  <a:txBody>
+                    <a:bodyPr/>
+                    <a:lstStyle/>
+                    <a:p>
+                      <a:pPr marL="0" marR="0" lvl="0" indent="0" algn="l" defTabSz="914400" rtl="0" eaLnBrk="1" fontAlgn="auto" latinLnBrk="0" hangingPunct="1">
+                        <a:lnSpc>
+                          <a:spcPct val="100000"/>
+                        </a:lnSpc>
+                        <a:spcBef>
+                          <a:spcPts val="0"/>
+                        </a:spcBef>
+                        <a:spcAft>
+                          <a:spcPts val="0"/>
+                        </a:spcAft>
+                        <a:buClrTx/>
+                        <a:buSzTx/>
+                        <a:buFontTx/>
+                        <a:buNone/>
+                        <a:tabLst/>
+                        <a:defRPr/>
+                      </a:pPr>
+                      <a:r>
+                        <a:rPr lang="pt-BR" sz="1800" kern="1200" dirty="0" smtClean="0">
+                          <a:solidFill>
+                            <a:schemeClr val="dk1"/>
+                          </a:solidFill>
+                          <a:effectLst/>
+                          <a:latin typeface="+mn-lt"/>
+                          <a:ea typeface="+mn-ea"/>
+                          <a:cs typeface="+mn-cs"/>
+                        </a:rPr>
+                        <a:t>Desenvolvimento</a:t>
+                      </a:r>
+                    </a:p>
+                    <a:p>
+                      <a:pPr marL="0" marR="0" lvl="0" indent="0" algn="l" defTabSz="914400" rtl="0" eaLnBrk="1" fontAlgn="auto" latinLnBrk="0" hangingPunct="1">
+                        <a:lnSpc>
+                          <a:spcPct val="100000"/>
+                        </a:lnSpc>
+                        <a:spcBef>
+                          <a:spcPts val="0"/>
+                        </a:spcBef>
+                        <a:spcAft>
+                          <a:spcPts val="0"/>
+                        </a:spcAft>
+                        <a:buClrTx/>
+                        <a:buSzTx/>
+                        <a:buFontTx/>
+                        <a:buNone/>
+                        <a:tabLst/>
+                        <a:defRPr/>
+                      </a:pPr>
+                      <a:endParaRPr lang="pt-BR" sz="1800" kern="1200" dirty="0" smtClean="0">
+                        <a:solidFill>
+                          <a:schemeClr val="dk1"/>
+                        </a:solidFill>
+                        <a:effectLst/>
+                        <a:latin typeface="+mn-lt"/>
+                        <a:ea typeface="+mn-ea"/>
+                        <a:cs typeface="+mn-cs"/>
+                      </a:endParaRPr>
+                    </a:p>
+                  </a:txBody>
+                  <a:tcPr/>
+                </a:tc>
+                <a:tc>
+                  <a:txBody>
+                    <a:bodyPr/>
+                    <a:lstStyle/>
+                    <a:p>
+                      <a:pPr marL="0" marR="0" lvl="0" indent="0" algn="l" defTabSz="914400" rtl="0" eaLnBrk="1" fontAlgn="auto" latinLnBrk="0" hangingPunct="1">
+                        <a:lnSpc>
+                          <a:spcPct val="100000"/>
+                        </a:lnSpc>
+                        <a:spcBef>
+                          <a:spcPts val="0"/>
+                        </a:spcBef>
+                        <a:spcAft>
+                          <a:spcPts val="0"/>
+                        </a:spcAft>
+                        <a:buClrTx/>
+                        <a:buSzTx/>
+                        <a:buFontTx/>
+                        <a:buNone/>
+                        <a:tabLst/>
+                        <a:defRPr/>
+                      </a:pPr>
+                      <a:r>
+                        <a:rPr lang="pt-BR" sz="1800" kern="1200" dirty="0" smtClean="0">
+                          <a:solidFill>
+                            <a:schemeClr val="dk1"/>
+                          </a:solidFill>
+                          <a:effectLst/>
+                          <a:latin typeface="+mn-lt"/>
+                          <a:ea typeface="+mn-ea"/>
+                          <a:cs typeface="+mn-cs"/>
+                        </a:rPr>
+                        <a:t>(11)</a:t>
+                      </a:r>
+                    </a:p>
+                    <a:p>
+                      <a:pPr marL="0" marR="0" lvl="0" indent="0" algn="l" defTabSz="914400" rtl="0" eaLnBrk="1" fontAlgn="auto" latinLnBrk="0" hangingPunct="1">
+                        <a:lnSpc>
+                          <a:spcPct val="100000"/>
+                        </a:lnSpc>
+                        <a:spcBef>
+                          <a:spcPts val="0"/>
+                        </a:spcBef>
+                        <a:spcAft>
+                          <a:spcPts val="0"/>
+                        </a:spcAft>
+                        <a:buClrTx/>
+                        <a:buSzTx/>
+                        <a:buFontTx/>
+                        <a:buNone/>
+                        <a:tabLst/>
+                        <a:defRPr/>
+                      </a:pPr>
+                      <a:r>
+                        <a:rPr lang="pt-BR" sz="1800" kern="1200" dirty="0" smtClean="0">
+                          <a:solidFill>
+                            <a:schemeClr val="dk1"/>
+                          </a:solidFill>
+                          <a:effectLst/>
+                          <a:latin typeface="+mn-lt"/>
+                          <a:ea typeface="+mn-ea"/>
+                          <a:cs typeface="+mn-cs"/>
+                        </a:rPr>
+                        <a:t>99130298</a:t>
+                      </a:r>
+                      <a:endParaRPr lang="pt-BR" sz="1800" kern="1200" dirty="0" smtClean="0">
+                        <a:solidFill>
+                          <a:schemeClr val="dk1"/>
+                        </a:solidFill>
+                        <a:effectLst/>
+                        <a:latin typeface="+mn-lt"/>
+                        <a:ea typeface="+mn-ea"/>
+                        <a:cs typeface="+mn-cs"/>
+                      </a:endParaRPr>
+                    </a:p>
+                  </a:txBody>
+                  <a:tcPr/>
+                </a:tc>
+                <a:tc>
+                  <a:txBody>
+                    <a:bodyPr/>
+                    <a:lstStyle/>
+                    <a:p>
+                      <a:pPr marL="0" marR="0" lvl="0" indent="0" algn="l" defTabSz="914400" rtl="0" eaLnBrk="1" fontAlgn="auto" latinLnBrk="0" hangingPunct="1">
+                        <a:lnSpc>
+                          <a:spcPct val="100000"/>
+                        </a:lnSpc>
+                        <a:spcBef>
+                          <a:spcPts val="0"/>
+                        </a:spcBef>
+                        <a:spcAft>
+                          <a:spcPts val="0"/>
+                        </a:spcAft>
+                        <a:buClrTx/>
+                        <a:buSzTx/>
+                        <a:buFontTx/>
+                        <a:buNone/>
+                        <a:tabLst/>
+                        <a:defRPr/>
+                      </a:pPr>
+                      <a:endParaRPr lang="pt-BR" sz="1800" kern="1200" dirty="0" smtClean="0">
+                        <a:solidFill>
+                          <a:schemeClr val="dk1"/>
+                        </a:solidFill>
+                        <a:effectLst/>
+                        <a:latin typeface="+mn-lt"/>
+                        <a:ea typeface="+mn-ea"/>
+                        <a:cs typeface="+mn-cs"/>
+                      </a:endParaRPr>
+                    </a:p>
+                  </a:txBody>
+                  <a:tcPr/>
+                </a:tc>
+              </a:tr>
+              <a:tr h="370840">
+                <a:tc>
+                  <a:txBody>
+                    <a:bodyPr/>
+                    <a:lstStyle/>
+                    <a:p>
+                      <a:pPr marL="0" marR="0" lvl="0" indent="0" algn="l" defTabSz="914400" rtl="0" eaLnBrk="1" fontAlgn="auto" latinLnBrk="0" hangingPunct="1">
+                        <a:lnSpc>
+                          <a:spcPct val="100000"/>
+                        </a:lnSpc>
+                        <a:spcBef>
+                          <a:spcPts val="0"/>
+                        </a:spcBef>
+                        <a:spcAft>
+                          <a:spcPts val="0"/>
+                        </a:spcAft>
+                        <a:buClrTx/>
+                        <a:buSzTx/>
+                        <a:buFontTx/>
+                        <a:buNone/>
+                        <a:tabLst/>
+                        <a:defRPr/>
+                      </a:pPr>
+                      <a:r>
+                        <a:rPr lang="pt-BR" sz="1800" kern="1200" dirty="0" smtClean="0">
+                          <a:effectLst/>
+                        </a:rPr>
+                        <a:t>Romulo De </a:t>
+                      </a:r>
+                      <a:r>
+                        <a:rPr lang="pt-BR" sz="1800" kern="1200" dirty="0" err="1" smtClean="0">
+                          <a:effectLst/>
+                        </a:rPr>
+                        <a:t>Araujo</a:t>
+                      </a:r>
+                      <a:r>
+                        <a:rPr lang="pt-BR" sz="1800" kern="1200" dirty="0" smtClean="0">
+                          <a:effectLst/>
+                        </a:rPr>
+                        <a:t> Magalhães </a:t>
+                      </a:r>
+                      <a:endParaRPr lang="pt-BR" sz="1800" kern="1200" dirty="0" smtClean="0">
+                        <a:solidFill>
+                          <a:schemeClr val="dk1"/>
+                        </a:solidFill>
+                        <a:effectLst/>
+                        <a:latin typeface="+mn-lt"/>
+                        <a:ea typeface="+mn-ea"/>
+                        <a:cs typeface="+mn-cs"/>
+                      </a:endParaRPr>
+                    </a:p>
+                  </a:txBody>
+                  <a:tcPr/>
+                </a:tc>
+                <a:tc>
+                  <a:txBody>
+                    <a:bodyPr/>
+                    <a:lstStyle/>
+                    <a:p>
+                      <a:pPr marL="0" marR="0" lvl="0" indent="0" algn="l" defTabSz="914400" rtl="0" eaLnBrk="1" fontAlgn="auto" latinLnBrk="0" hangingPunct="1">
+                        <a:lnSpc>
+                          <a:spcPct val="100000"/>
+                        </a:lnSpc>
+                        <a:spcBef>
+                          <a:spcPts val="0"/>
+                        </a:spcBef>
+                        <a:spcAft>
+                          <a:spcPts val="0"/>
+                        </a:spcAft>
+                        <a:buClrTx/>
+                        <a:buSzTx/>
+                        <a:buFontTx/>
+                        <a:buNone/>
+                        <a:tabLst/>
+                        <a:defRPr/>
+                      </a:pPr>
+                      <a:r>
+                        <a:rPr lang="pt-BR" sz="1800" kern="1200" dirty="0" smtClean="0">
+                          <a:solidFill>
+                            <a:schemeClr val="dk1"/>
+                          </a:solidFill>
+                          <a:effectLst/>
+                          <a:latin typeface="+mn-lt"/>
+                          <a:ea typeface="+mn-ea"/>
+                          <a:cs typeface="+mn-cs"/>
+                        </a:rPr>
+                        <a:t>Desenvolvimento</a:t>
+                      </a:r>
+                    </a:p>
+                    <a:p>
+                      <a:pPr marL="0" marR="0" lvl="0" indent="0" algn="l" defTabSz="914400" rtl="0" eaLnBrk="1" fontAlgn="auto" latinLnBrk="0" hangingPunct="1">
+                        <a:lnSpc>
+                          <a:spcPct val="100000"/>
+                        </a:lnSpc>
+                        <a:spcBef>
+                          <a:spcPts val="0"/>
+                        </a:spcBef>
+                        <a:spcAft>
+                          <a:spcPts val="0"/>
+                        </a:spcAft>
+                        <a:buClrTx/>
+                        <a:buSzTx/>
+                        <a:buFontTx/>
+                        <a:buNone/>
+                        <a:tabLst/>
+                        <a:defRPr/>
+                      </a:pPr>
+                      <a:endParaRPr lang="pt-BR" sz="1800" kern="1200" dirty="0" smtClean="0">
+                        <a:solidFill>
+                          <a:schemeClr val="dk1"/>
+                        </a:solidFill>
+                        <a:effectLst/>
+                        <a:latin typeface="+mn-lt"/>
+                        <a:ea typeface="+mn-ea"/>
+                        <a:cs typeface="+mn-cs"/>
+                      </a:endParaRPr>
+                    </a:p>
+                  </a:txBody>
+                  <a:tcPr/>
+                </a:tc>
+                <a:tc>
+                  <a:txBody>
+                    <a:bodyPr/>
+                    <a:lstStyle/>
+                    <a:p>
+                      <a:pPr marL="0" marR="0" lvl="0" indent="0" algn="l" defTabSz="914400" rtl="0" eaLnBrk="1" fontAlgn="auto" latinLnBrk="0" hangingPunct="1">
+                        <a:lnSpc>
+                          <a:spcPct val="100000"/>
+                        </a:lnSpc>
+                        <a:spcBef>
+                          <a:spcPts val="0"/>
+                        </a:spcBef>
+                        <a:spcAft>
+                          <a:spcPts val="0"/>
+                        </a:spcAft>
+                        <a:buClrTx/>
+                        <a:buSzTx/>
+                        <a:buFontTx/>
+                        <a:buNone/>
+                        <a:tabLst/>
+                        <a:defRPr/>
+                      </a:pPr>
+                      <a:r>
+                        <a:rPr lang="pt-BR" sz="1800" kern="1200" dirty="0" smtClean="0">
+                          <a:solidFill>
+                            <a:schemeClr val="dk1"/>
+                          </a:solidFill>
+                          <a:effectLst/>
+                          <a:latin typeface="+mn-lt"/>
+                          <a:ea typeface="+mn-ea"/>
+                          <a:cs typeface="+mn-cs"/>
+                        </a:rPr>
+                        <a:t>(11)</a:t>
+                      </a:r>
+                    </a:p>
+                    <a:p>
+                      <a:pPr marL="0" marR="0" lvl="0" indent="0" algn="l" defTabSz="914400" rtl="0" eaLnBrk="1" fontAlgn="auto" latinLnBrk="0" hangingPunct="1">
+                        <a:lnSpc>
+                          <a:spcPct val="100000"/>
+                        </a:lnSpc>
+                        <a:spcBef>
+                          <a:spcPts val="0"/>
+                        </a:spcBef>
+                        <a:spcAft>
+                          <a:spcPts val="0"/>
+                        </a:spcAft>
+                        <a:buClrTx/>
+                        <a:buSzTx/>
+                        <a:buFontTx/>
+                        <a:buNone/>
+                        <a:tabLst/>
+                        <a:defRPr/>
+                      </a:pPr>
+                      <a:r>
+                        <a:rPr lang="pt-BR" sz="1800" kern="1200" dirty="0" smtClean="0">
+                          <a:solidFill>
+                            <a:schemeClr val="dk1"/>
+                          </a:solidFill>
+                          <a:effectLst/>
+                          <a:latin typeface="+mn-lt"/>
+                          <a:ea typeface="+mn-ea"/>
+                          <a:cs typeface="+mn-cs"/>
+                        </a:rPr>
+                        <a:t>993243466</a:t>
+                      </a:r>
+                      <a:endParaRPr lang="pt-BR" sz="1800" kern="1200" dirty="0" smtClean="0">
+                        <a:solidFill>
+                          <a:schemeClr val="dk1"/>
+                        </a:solidFill>
+                        <a:effectLst/>
+                        <a:latin typeface="+mn-lt"/>
+                        <a:ea typeface="+mn-ea"/>
+                        <a:cs typeface="+mn-cs"/>
+                      </a:endParaRPr>
+                    </a:p>
+                  </a:txBody>
+                  <a:tcPr/>
+                </a:tc>
+                <a:tc>
+                  <a:txBody>
+                    <a:bodyPr/>
+                    <a:lstStyle/>
+                    <a:p>
+                      <a:pPr marL="0" marR="0" lvl="0" indent="0" algn="l" defTabSz="914400" rtl="0" eaLnBrk="1" fontAlgn="auto" latinLnBrk="0" hangingPunct="1">
+                        <a:lnSpc>
+                          <a:spcPct val="100000"/>
+                        </a:lnSpc>
+                        <a:spcBef>
+                          <a:spcPts val="0"/>
+                        </a:spcBef>
+                        <a:spcAft>
+                          <a:spcPts val="0"/>
+                        </a:spcAft>
+                        <a:buClrTx/>
+                        <a:buSzTx/>
+                        <a:buFontTx/>
+                        <a:buNone/>
+                        <a:tabLst/>
+                        <a:defRPr/>
+                      </a:pPr>
+                      <a:endParaRPr lang="pt-BR" sz="1800" kern="1200" dirty="0" smtClean="0">
+                        <a:solidFill>
+                          <a:schemeClr val="dk1"/>
+                        </a:solidFill>
+                        <a:effectLst/>
+                        <a:latin typeface="+mn-lt"/>
+                        <a:ea typeface="+mn-ea"/>
+                        <a:cs typeface="+mn-cs"/>
+                      </a:endParaRPr>
+                    </a:p>
+                  </a:txBody>
+                  <a:tcPr/>
+                </a:tc>
+              </a:tr>
+              <a:tr h="127416">
+                <a:tc>
+                  <a:txBody>
+                    <a:bodyPr/>
+                    <a:lstStyle/>
+                    <a:p>
+                      <a:pPr marL="0" marR="0" lvl="0" indent="0" algn="l" defTabSz="914400" rtl="0" eaLnBrk="1" fontAlgn="auto" latinLnBrk="0" hangingPunct="1">
+                        <a:lnSpc>
+                          <a:spcPct val="100000"/>
+                        </a:lnSpc>
+                        <a:spcBef>
+                          <a:spcPts val="0"/>
+                        </a:spcBef>
+                        <a:spcAft>
+                          <a:spcPts val="0"/>
+                        </a:spcAft>
+                        <a:buClrTx/>
+                        <a:buSzTx/>
+                        <a:buFontTx/>
+                        <a:buNone/>
+                        <a:tabLst/>
+                        <a:defRPr/>
+                      </a:pPr>
+                      <a:r>
+                        <a:rPr lang="pt-BR" sz="1800" kern="1200" dirty="0" smtClean="0">
+                          <a:effectLst/>
+                        </a:rPr>
+                        <a:t>Samuel De Matos Rezende</a:t>
+                      </a:r>
+                      <a:endParaRPr lang="pt-BR" sz="1800" kern="1200" dirty="0" smtClean="0">
+                        <a:solidFill>
+                          <a:schemeClr val="dk1"/>
+                        </a:solidFill>
+                        <a:effectLst/>
+                        <a:latin typeface="+mn-lt"/>
+                        <a:ea typeface="+mn-ea"/>
+                        <a:cs typeface="+mn-cs"/>
+                      </a:endParaRPr>
+                    </a:p>
+                  </a:txBody>
+                  <a:tcPr/>
+                </a:tc>
+                <a:tc>
+                  <a:txBody>
+                    <a:bodyPr/>
+                    <a:lstStyle/>
+                    <a:p>
+                      <a:pPr marL="0" marR="0" lvl="0" indent="0" algn="l" defTabSz="914400" rtl="0" eaLnBrk="1" fontAlgn="auto" latinLnBrk="0" hangingPunct="1">
+                        <a:lnSpc>
+                          <a:spcPct val="100000"/>
+                        </a:lnSpc>
+                        <a:spcBef>
+                          <a:spcPts val="0"/>
+                        </a:spcBef>
+                        <a:spcAft>
+                          <a:spcPts val="0"/>
+                        </a:spcAft>
+                        <a:buClrTx/>
+                        <a:buSzTx/>
+                        <a:buFontTx/>
+                        <a:buNone/>
+                        <a:tabLst/>
+                        <a:defRPr/>
+                      </a:pPr>
+                      <a:r>
+                        <a:rPr lang="pt-BR" sz="1800" kern="1200" dirty="0" smtClean="0">
+                          <a:solidFill>
+                            <a:schemeClr val="dk1"/>
+                          </a:solidFill>
+                          <a:effectLst/>
+                          <a:latin typeface="+mn-lt"/>
+                          <a:ea typeface="+mn-ea"/>
+                          <a:cs typeface="+mn-cs"/>
+                        </a:rPr>
+                        <a:t>Desenvolvimento</a:t>
+                      </a:r>
+                    </a:p>
+                    <a:p>
+                      <a:pPr marL="0" marR="0" lvl="0" indent="0" algn="l" defTabSz="914400" rtl="0" eaLnBrk="1" fontAlgn="auto" latinLnBrk="0" hangingPunct="1">
+                        <a:lnSpc>
+                          <a:spcPct val="100000"/>
+                        </a:lnSpc>
+                        <a:spcBef>
+                          <a:spcPts val="0"/>
+                        </a:spcBef>
+                        <a:spcAft>
+                          <a:spcPts val="0"/>
+                        </a:spcAft>
+                        <a:buClrTx/>
+                        <a:buSzTx/>
+                        <a:buFontTx/>
+                        <a:buNone/>
+                        <a:tabLst/>
+                        <a:defRPr/>
+                      </a:pPr>
+                      <a:endParaRPr lang="pt-BR" sz="1800" kern="1200" dirty="0" smtClean="0">
+                        <a:solidFill>
+                          <a:schemeClr val="dk1"/>
+                        </a:solidFill>
+                        <a:effectLst/>
+                        <a:latin typeface="+mn-lt"/>
+                        <a:ea typeface="+mn-ea"/>
+                        <a:cs typeface="+mn-cs"/>
+                      </a:endParaRPr>
+                    </a:p>
+                  </a:txBody>
+                  <a:tcPr/>
+                </a:tc>
+                <a:tc>
+                  <a:txBody>
+                    <a:bodyPr/>
+                    <a:lstStyle/>
+                    <a:p>
+                      <a:pPr marL="0" marR="0" lvl="0" indent="0" algn="l" defTabSz="914400" rtl="0" eaLnBrk="1" fontAlgn="auto" latinLnBrk="0" hangingPunct="1">
+                        <a:lnSpc>
+                          <a:spcPct val="100000"/>
+                        </a:lnSpc>
+                        <a:spcBef>
+                          <a:spcPts val="0"/>
+                        </a:spcBef>
+                        <a:spcAft>
+                          <a:spcPts val="0"/>
+                        </a:spcAft>
+                        <a:buClrTx/>
+                        <a:buSzTx/>
+                        <a:buFontTx/>
+                        <a:buNone/>
+                        <a:tabLst/>
+                        <a:defRPr/>
+                      </a:pPr>
+                      <a:r>
+                        <a:rPr lang="pt-BR" sz="1800" kern="1200" dirty="0" smtClean="0">
+                          <a:solidFill>
+                            <a:schemeClr val="dk1"/>
+                          </a:solidFill>
+                          <a:effectLst/>
+                          <a:latin typeface="+mn-lt"/>
+                          <a:ea typeface="+mn-ea"/>
+                          <a:cs typeface="+mn-cs"/>
+                        </a:rPr>
+                        <a:t>(11)</a:t>
+                      </a:r>
+                    </a:p>
+                    <a:p>
+                      <a:pPr marL="0" marR="0" lvl="0" indent="0" algn="l" defTabSz="914400" rtl="0" eaLnBrk="1" fontAlgn="auto" latinLnBrk="0" hangingPunct="1">
+                        <a:lnSpc>
+                          <a:spcPct val="100000"/>
+                        </a:lnSpc>
+                        <a:spcBef>
+                          <a:spcPts val="0"/>
+                        </a:spcBef>
+                        <a:spcAft>
+                          <a:spcPts val="0"/>
+                        </a:spcAft>
+                        <a:buClrTx/>
+                        <a:buSzTx/>
+                        <a:buFontTx/>
+                        <a:buNone/>
+                        <a:tabLst/>
+                        <a:defRPr/>
+                      </a:pPr>
+                      <a:r>
+                        <a:rPr lang="pt-BR" sz="1800" kern="1200" dirty="0" smtClean="0">
+                          <a:solidFill>
+                            <a:schemeClr val="dk1"/>
+                          </a:solidFill>
+                          <a:effectLst/>
+                          <a:latin typeface="+mn-lt"/>
+                          <a:ea typeface="+mn-ea"/>
+                          <a:cs typeface="+mn-cs"/>
+                        </a:rPr>
+                        <a:t>973094664</a:t>
+                      </a:r>
+                      <a:endParaRPr lang="pt-BR" sz="1800" kern="1200" dirty="0" smtClean="0">
+                        <a:solidFill>
+                          <a:schemeClr val="dk1"/>
+                        </a:solidFill>
+                        <a:effectLst/>
+                        <a:latin typeface="+mn-lt"/>
+                        <a:ea typeface="+mn-ea"/>
+                        <a:cs typeface="+mn-cs"/>
+                      </a:endParaRPr>
+                    </a:p>
+                  </a:txBody>
+                  <a:tcPr/>
+                </a:tc>
+                <a:tc>
+                  <a:txBody>
+                    <a:bodyPr/>
+                    <a:lstStyle/>
+                    <a:p>
+                      <a:pPr marL="0" marR="0" lvl="0" indent="0" algn="l" defTabSz="914400" rtl="0" eaLnBrk="1" fontAlgn="auto" latinLnBrk="0" hangingPunct="1">
+                        <a:lnSpc>
+                          <a:spcPct val="100000"/>
+                        </a:lnSpc>
+                        <a:spcBef>
+                          <a:spcPts val="0"/>
+                        </a:spcBef>
+                        <a:spcAft>
+                          <a:spcPts val="0"/>
+                        </a:spcAft>
+                        <a:buClrTx/>
+                        <a:buSzTx/>
+                        <a:buFontTx/>
+                        <a:buNone/>
+                        <a:tabLst/>
+                        <a:defRPr/>
+                      </a:pPr>
+                      <a:endParaRPr lang="pt-BR" sz="1800" kern="1200" dirty="0" smtClean="0">
+                        <a:solidFill>
+                          <a:schemeClr val="dk1"/>
+                        </a:solidFill>
+                        <a:effectLst/>
+                        <a:latin typeface="+mn-lt"/>
+                        <a:ea typeface="+mn-ea"/>
+                        <a:cs typeface="+mn-cs"/>
+                      </a:endParaRPr>
                     </a:p>
                   </a:txBody>
                   <a:tcPr/>
@@ -6806,6 +7680,13 @@
   <p:clrMapOvr>
     <a:masterClrMapping/>
   </p:clrMapOvr>
+  <p:timing>
+    <p:tnLst>
+      <p:par>
+        <p:cTn id="1" dur="indefinite" restart="never" nodeType="tmRoot"/>
+      </p:par>
+    </p:tnLst>
+  </p:timing>
 </p:sld>
 </file>
 
@@ -6917,6 +7798,13 @@
   <p:clrMapOvr>
     <a:masterClrMapping/>
   </p:clrMapOvr>
+  <p:timing>
+    <p:tnLst>
+      <p:par>
+        <p:cTn id="1" dur="indefinite" restart="never" nodeType="tmRoot"/>
+      </p:par>
+    </p:tnLst>
+  </p:timing>
 </p:sld>
 </file>
 

--- a/TCC - Monografia/Documentos/AbrasilExpress - 26 03 14.pptx
+++ b/TCC - Monografia/Documentos/AbrasilExpress - 26 03 14.pptx
@@ -321,7 +321,7 @@
           <a:p>
             <a:fld id="{735BF34F-860C-439E-9360-B06A721D6D3D}" type="datetimeFigureOut">
               <a:rPr lang="pt-BR" smtClean="0"/>
-              <a:t>01/06/2014</a:t>
+              <a:t>04/06/2014</a:t>
             </a:fld>
             <a:endParaRPr lang="pt-BR"/>
           </a:p>
@@ -486,7 +486,7 @@
           <a:p>
             <a:fld id="{735BF34F-860C-439E-9360-B06A721D6D3D}" type="datetimeFigureOut">
               <a:rPr lang="pt-BR" smtClean="0"/>
-              <a:t>01/06/2014</a:t>
+              <a:t>04/06/2014</a:t>
             </a:fld>
             <a:endParaRPr lang="pt-BR"/>
           </a:p>
@@ -661,7 +661,7 @@
           <a:p>
             <a:fld id="{735BF34F-860C-439E-9360-B06A721D6D3D}" type="datetimeFigureOut">
               <a:rPr lang="pt-BR" smtClean="0"/>
-              <a:t>01/06/2014</a:t>
+              <a:t>04/06/2014</a:t>
             </a:fld>
             <a:endParaRPr lang="pt-BR"/>
           </a:p>
@@ -826,7 +826,7 @@
           <a:p>
             <a:fld id="{735BF34F-860C-439E-9360-B06A721D6D3D}" type="datetimeFigureOut">
               <a:rPr lang="pt-BR" smtClean="0"/>
-              <a:t>01/06/2014</a:t>
+              <a:t>04/06/2014</a:t>
             </a:fld>
             <a:endParaRPr lang="pt-BR"/>
           </a:p>
@@ -1067,7 +1067,7 @@
           <a:p>
             <a:fld id="{735BF34F-860C-439E-9360-B06A721D6D3D}" type="datetimeFigureOut">
               <a:rPr lang="pt-BR" smtClean="0"/>
-              <a:t>01/06/2014</a:t>
+              <a:t>04/06/2014</a:t>
             </a:fld>
             <a:endParaRPr lang="pt-BR"/>
           </a:p>
@@ -1350,7 +1350,7 @@
           <a:p>
             <a:fld id="{735BF34F-860C-439E-9360-B06A721D6D3D}" type="datetimeFigureOut">
               <a:rPr lang="pt-BR" smtClean="0"/>
-              <a:t>01/06/2014</a:t>
+              <a:t>04/06/2014</a:t>
             </a:fld>
             <a:endParaRPr lang="pt-BR"/>
           </a:p>
@@ -1779,7 +1779,7 @@
           <a:p>
             <a:fld id="{735BF34F-860C-439E-9360-B06A721D6D3D}" type="datetimeFigureOut">
               <a:rPr lang="pt-BR" smtClean="0"/>
-              <a:t>01/06/2014</a:t>
+              <a:t>04/06/2014</a:t>
             </a:fld>
             <a:endParaRPr lang="pt-BR"/>
           </a:p>
@@ -1892,7 +1892,7 @@
           <a:p>
             <a:fld id="{735BF34F-860C-439E-9360-B06A721D6D3D}" type="datetimeFigureOut">
               <a:rPr lang="pt-BR" smtClean="0"/>
-              <a:t>01/06/2014</a:t>
+              <a:t>04/06/2014</a:t>
             </a:fld>
             <a:endParaRPr lang="pt-BR"/>
           </a:p>
@@ -1982,7 +1982,7 @@
           <a:p>
             <a:fld id="{735BF34F-860C-439E-9360-B06A721D6D3D}" type="datetimeFigureOut">
               <a:rPr lang="pt-BR" smtClean="0"/>
-              <a:t>01/06/2014</a:t>
+              <a:t>04/06/2014</a:t>
             </a:fld>
             <a:endParaRPr lang="pt-BR"/>
           </a:p>
@@ -2171,7 +2171,7 @@
           <a:p>
             <a:fld id="{735BF34F-860C-439E-9360-B06A721D6D3D}" type="datetimeFigureOut">
               <a:rPr lang="pt-BR" smtClean="0"/>
-              <a:t>01/06/2014</a:t>
+              <a:t>04/06/2014</a:t>
             </a:fld>
             <a:endParaRPr lang="pt-BR"/>
           </a:p>
@@ -2489,7 +2489,7 @@
           <a:p>
             <a:fld id="{735BF34F-860C-439E-9360-B06A721D6D3D}" type="datetimeFigureOut">
               <a:rPr lang="pt-BR" smtClean="0"/>
-              <a:t>01/06/2014</a:t>
+              <a:t>04/06/2014</a:t>
             </a:fld>
             <a:endParaRPr lang="pt-BR"/>
           </a:p>
@@ -2868,7 +2868,7 @@
           <a:p>
             <a:fld id="{735BF34F-860C-439E-9360-B06A721D6D3D}" type="datetimeFigureOut">
               <a:rPr lang="pt-BR" smtClean="0"/>
-              <a:t>01/06/2014</a:t>
+              <a:t>04/06/2014</a:t>
             </a:fld>
             <a:endParaRPr lang="pt-BR"/>
           </a:p>
@@ -6363,7 +6363,7 @@
             <p:ph idx="1"/>
             <p:extLst>
               <p:ext uri="{D42A27DB-BD31-4B8C-83A1-F6EECF244321}">
-                <p14:modId xmlns:p14="http://schemas.microsoft.com/office/powerpoint/2010/main" val="3976917909"/>
+                <p14:modId xmlns:p14="http://schemas.microsoft.com/office/powerpoint/2010/main" val="4073247167"/>
               </p:ext>
             </p:extLst>
           </p:nvPr>
@@ -6479,16 +6479,65 @@
                     <a:bodyPr/>
                     <a:lstStyle/>
                     <a:p>
+                      <a:r>
+                        <a:rPr lang="pt-BR" sz="1800" b="0" i="0" kern="1200" dirty="0" smtClean="0">
+                          <a:solidFill>
+                            <a:schemeClr val="dk1"/>
+                          </a:solidFill>
+                          <a:effectLst/>
+                          <a:latin typeface="+mn-lt"/>
+                          <a:ea typeface="+mn-ea"/>
+                          <a:cs typeface="+mn-cs"/>
+                        </a:rPr>
+                        <a:t>24953531</a:t>
+                      </a:r>
                       <a:endParaRPr lang="pt-BR" dirty="0"/>
                     </a:p>
                   </a:txBody>
                   <a:tcPr/>
                 </a:tc>
-                <a:tc>
+                <a:tc rowSpan="3">
                   <a:txBody>
                     <a:bodyPr/>
                     <a:lstStyle/>
                     <a:p>
+                      <a:pPr algn="ctr"/>
+                      <a:endParaRPr lang="pt-BR" sz="1800" b="0" i="0" kern="1200" dirty="0" smtClean="0">
+                        <a:solidFill>
+                          <a:schemeClr val="dk1"/>
+                        </a:solidFill>
+                        <a:effectLst/>
+                        <a:latin typeface="+mn-lt"/>
+                        <a:ea typeface="+mn-ea"/>
+                        <a:cs typeface="+mn-cs"/>
+                      </a:endParaRPr>
+                    </a:p>
+                    <a:p>
+                      <a:pPr algn="ctr"/>
+                      <a:endParaRPr lang="pt-BR" sz="1800" b="0" i="0" kern="1200" dirty="0" smtClean="0">
+                        <a:solidFill>
+                          <a:schemeClr val="dk1"/>
+                        </a:solidFill>
+                        <a:effectLst/>
+                        <a:latin typeface="+mn-lt"/>
+                        <a:ea typeface="+mn-ea"/>
+                        <a:cs typeface="+mn-cs"/>
+                      </a:endParaRPr>
+                    </a:p>
+                    <a:p>
+                      <a:pPr algn="ctr"/>
+                      <a:r>
+                        <a:rPr lang="pt-BR" sz="1800" b="0" i="0" kern="1200" dirty="0" smtClean="0">
+                          <a:solidFill>
+                            <a:schemeClr val="dk1"/>
+                          </a:solidFill>
+                          <a:effectLst/>
+                          <a:latin typeface="+mn-lt"/>
+                          <a:ea typeface="+mn-ea"/>
+                          <a:cs typeface="+mn-cs"/>
+                        </a:rPr>
+                        <a:t>abrasilexpresstransp@ig.com.br</a:t>
+                      </a:r>
                       <a:endParaRPr lang="pt-BR" dirty="0"/>
                     </a:p>
                   </a:txBody>
@@ -6533,12 +6582,41 @@
                     <a:bodyPr/>
                     <a:lstStyle/>
                     <a:p>
-                      <a:endParaRPr lang="pt-BR" dirty="0"/>
+                      <a:pPr marL="0" marR="0" indent="0" algn="l" defTabSz="914400" rtl="0" eaLnBrk="1" fontAlgn="auto" latinLnBrk="0" hangingPunct="1">
+                        <a:lnSpc>
+                          <a:spcPct val="100000"/>
+                        </a:lnSpc>
+                        <a:spcBef>
+                          <a:spcPts val="0"/>
+                        </a:spcBef>
+                        <a:spcAft>
+                          <a:spcPts val="0"/>
+                        </a:spcAft>
+                        <a:buClrTx/>
+                        <a:buSzTx/>
+                        <a:buFontTx/>
+                        <a:buNone/>
+                        <a:tabLst/>
+                        <a:defRPr/>
+                      </a:pPr>
+                      <a:r>
+                        <a:rPr lang="pt-BR" sz="1800" b="0" i="0" kern="1200" dirty="0" smtClean="0">
+                          <a:solidFill>
+                            <a:schemeClr val="dk1"/>
+                          </a:solidFill>
+                          <a:effectLst/>
+                          <a:latin typeface="+mn-lt"/>
+                          <a:ea typeface="+mn-ea"/>
+                          <a:cs typeface="+mn-cs"/>
+                        </a:rPr>
+                        <a:t>987702043</a:t>
+                      </a:r>
+                      <a:endParaRPr lang="pt-BR" dirty="0" smtClean="0"/>
                     </a:p>
                   </a:txBody>
                   <a:tcPr/>
                 </a:tc>
-                <a:tc>
+                <a:tc vMerge="1">
                   <a:txBody>
                     <a:bodyPr/>
                     <a:lstStyle/>
@@ -6587,12 +6665,41 @@
                     <a:bodyPr/>
                     <a:lstStyle/>
                     <a:p>
-                      <a:endParaRPr lang="pt-BR" dirty="0"/>
+                      <a:pPr marL="0" marR="0" indent="0" algn="l" defTabSz="914400" rtl="0" eaLnBrk="1" fontAlgn="auto" latinLnBrk="0" hangingPunct="1">
+                        <a:lnSpc>
+                          <a:spcPct val="100000"/>
+                        </a:lnSpc>
+                        <a:spcBef>
+                          <a:spcPts val="0"/>
+                        </a:spcBef>
+                        <a:spcAft>
+                          <a:spcPts val="0"/>
+                        </a:spcAft>
+                        <a:buClrTx/>
+                        <a:buSzTx/>
+                        <a:buFontTx/>
+                        <a:buNone/>
+                        <a:tabLst/>
+                        <a:defRPr/>
+                      </a:pPr>
+                      <a:r>
+                        <a:rPr lang="pt-BR" sz="1800" b="0" i="0" kern="1200" dirty="0" smtClean="0">
+                          <a:solidFill>
+                            <a:schemeClr val="dk1"/>
+                          </a:solidFill>
+                          <a:effectLst/>
+                          <a:latin typeface="+mn-lt"/>
+                          <a:ea typeface="+mn-ea"/>
+                          <a:cs typeface="+mn-cs"/>
+                        </a:rPr>
+                        <a:t> 987702043</a:t>
+                      </a:r>
+                      <a:endParaRPr lang="pt-BR" dirty="0" smtClean="0"/>
                     </a:p>
                   </a:txBody>
                   <a:tcPr/>
                 </a:tc>
-                <a:tc>
+                <a:tc vMerge="1">
                   <a:txBody>
                     <a:bodyPr/>
                     <a:lstStyle/>
@@ -6679,15 +6786,6 @@
                         </a:rPr>
                         <a:t>Desenvolvimento</a:t>
                       </a:r>
-                      <a:endParaRPr lang="pt-BR" sz="1800" kern="1200" dirty="0" smtClean="0">
-                        <a:solidFill>
-                          <a:schemeClr val="dk1"/>
-                        </a:solidFill>
-                        <a:effectLst/>
-                        <a:latin typeface="+mn-lt"/>
-                        <a:ea typeface="+mn-ea"/>
-                        <a:cs typeface="+mn-cs"/>
-                      </a:endParaRPr>
                     </a:p>
                   </a:txBody>
                   <a:tcPr/>
@@ -6726,15 +6824,6 @@
                         </a:rPr>
                         <a:t>(11) 987120350</a:t>
                       </a:r>
-                      <a:endParaRPr lang="pt-BR" sz="1800" kern="1200" dirty="0" smtClean="0">
-                        <a:solidFill>
-                          <a:schemeClr val="dk1"/>
-                        </a:solidFill>
-                        <a:effectLst/>
-                        <a:latin typeface="+mn-lt"/>
-                        <a:ea typeface="+mn-ea"/>
-                        <a:cs typeface="+mn-cs"/>
-                      </a:endParaRPr>
                     </a:p>
                   </a:txBody>
                   <a:tcPr/>
@@ -6761,6 +6850,18 @@
                         <a:tabLst/>
                         <a:defRPr/>
                       </a:pPr>
+                      <a:r>
+                        <a:rPr lang="pt-BR" sz="1800" kern="1200" dirty="0" smtClean="0">
+                          <a:solidFill>
+                            <a:schemeClr val="dk1"/>
+                          </a:solidFill>
+                          <a:effectLst/>
+                          <a:latin typeface="+mn-lt"/>
+                          <a:ea typeface="+mn-ea"/>
+                          <a:cs typeface="+mn-cs"/>
+                        </a:rPr>
+                        <a:t>ecardozo@gmail.com</a:t>
+                      </a:r>
                       <a:endParaRPr lang="pt-BR" sz="1800" kern="1200" dirty="0" smtClean="0">
                         <a:solidFill>
                           <a:schemeClr val="dk1"/>
@@ -6974,6 +7075,18 @@
                         <a:tabLst/>
                         <a:defRPr/>
                       </a:pPr>
+                      <a:r>
+                        <a:rPr lang="pt-BR" sz="1800" kern="1200" dirty="0" smtClean="0">
+                          <a:solidFill>
+                            <a:schemeClr val="dk1"/>
+                          </a:solidFill>
+                          <a:effectLst/>
+                          <a:latin typeface="+mn-lt"/>
+                          <a:ea typeface="+mn-ea"/>
+                          <a:cs typeface="+mn-cs"/>
+                        </a:rPr>
+                        <a:t>guilherme_santos11@hotmail.com</a:t>
+                      </a:r>
                       <a:endParaRPr lang="pt-BR" sz="1800" kern="1200" dirty="0" smtClean="0">
                         <a:solidFill>
                           <a:schemeClr val="dk1"/>
@@ -7161,15 +7274,6 @@
                         </a:rPr>
                         <a:t>99130298</a:t>
                       </a:r>
-                      <a:endParaRPr lang="pt-BR" sz="1800" kern="1200" dirty="0" smtClean="0">
-                        <a:solidFill>
-                          <a:schemeClr val="dk1"/>
-                        </a:solidFill>
-                        <a:effectLst/>
-                        <a:latin typeface="+mn-lt"/>
-                        <a:ea typeface="+mn-ea"/>
-                        <a:cs typeface="+mn-cs"/>
-                      </a:endParaRPr>
                     </a:p>
                   </a:txBody>
                   <a:tcPr/>
@@ -7196,6 +7300,18 @@
                         <a:tabLst/>
                         <a:defRPr/>
                       </a:pPr>
+                      <a:r>
+                        <a:rPr lang="pt-BR" sz="1800" kern="1200" dirty="0" smtClean="0">
+                          <a:solidFill>
+                            <a:schemeClr val="dk1"/>
+                          </a:solidFill>
+                          <a:effectLst/>
+                          <a:latin typeface="+mn-lt"/>
+                          <a:ea typeface="+mn-ea"/>
+                          <a:cs typeface="+mn-cs"/>
+                        </a:rPr>
+                        <a:t>Jef.evaristo@gmail.com</a:t>
+                      </a:r>
                       <a:endParaRPr lang="pt-BR" sz="1800" kern="1200" dirty="0" smtClean="0">
                         <a:solidFill>
                           <a:schemeClr val="dk1"/>
@@ -7395,15 +7511,6 @@
                         </a:rPr>
                         <a:t>993243466</a:t>
                       </a:r>
-                      <a:endParaRPr lang="pt-BR" sz="1800" kern="1200" dirty="0" smtClean="0">
-                        <a:solidFill>
-                          <a:schemeClr val="dk1"/>
-                        </a:solidFill>
-                        <a:effectLst/>
-                        <a:latin typeface="+mn-lt"/>
-                        <a:ea typeface="+mn-ea"/>
-                        <a:cs typeface="+mn-cs"/>
-                      </a:endParaRPr>
                     </a:p>
                   </a:txBody>
                   <a:tcPr/>
@@ -7430,6 +7537,18 @@
                         <a:tabLst/>
                         <a:defRPr/>
                       </a:pPr>
+                      <a:r>
+                        <a:rPr lang="pt-BR" sz="1800" kern="1200" dirty="0" smtClean="0">
+                          <a:solidFill>
+                            <a:schemeClr val="dk1"/>
+                          </a:solidFill>
+                          <a:effectLst/>
+                          <a:latin typeface="+mn-lt"/>
+                          <a:ea typeface="+mn-ea"/>
+                          <a:cs typeface="+mn-cs"/>
+                        </a:rPr>
+                        <a:t>romuloamagalhaes@gmail.com</a:t>
+                      </a:r>
                       <a:endParaRPr lang="pt-BR" sz="1800" kern="1200" dirty="0" smtClean="0">
                         <a:solidFill>
                           <a:schemeClr val="dk1"/>
@@ -7617,15 +7736,6 @@
                         </a:rPr>
                         <a:t>973094664</a:t>
                       </a:r>
-                      <a:endParaRPr lang="pt-BR" sz="1800" kern="1200" dirty="0" smtClean="0">
-                        <a:solidFill>
-                          <a:schemeClr val="dk1"/>
-                        </a:solidFill>
-                        <a:effectLst/>
-                        <a:latin typeface="+mn-lt"/>
-                        <a:ea typeface="+mn-ea"/>
-                        <a:cs typeface="+mn-cs"/>
-                      </a:endParaRPr>
                     </a:p>
                   </a:txBody>
                   <a:tcPr/>
@@ -7652,6 +7762,18 @@
                         <a:tabLst/>
                         <a:defRPr/>
                       </a:pPr>
+                      <a:r>
+                        <a:rPr lang="pt-BR" sz="1800" kern="1200" dirty="0" smtClean="0">
+                          <a:solidFill>
+                            <a:schemeClr val="dk1"/>
+                          </a:solidFill>
+                          <a:effectLst/>
+                          <a:latin typeface="+mn-lt"/>
+                          <a:ea typeface="+mn-ea"/>
+                          <a:cs typeface="+mn-cs"/>
+                        </a:rPr>
+                        <a:t>smrpuc@yahoo.com.br</a:t>
+                      </a:r>
                       <a:endParaRPr lang="pt-BR" sz="1800" kern="1200" dirty="0" smtClean="0">
                         <a:solidFill>
                           <a:schemeClr val="dk1"/>
